--- a/back-end/po.pptx
+++ b/back-end/po.pptx
@@ -108,31 +108,7 @@
       </a:defRPr>
     </a:lvl9pPr>
   </p:defaultTextStyle>
-  <p:extLst>
-    <p:ext uri="{EFAFB233-063F-42B5-8137-9DF3F51BA10A}">
-      <p15:sldGuideLst xmlns:p15="http://schemas.microsoft.com/office/powerpoint/2012/main">
-        <p15:guide id="1" orient="horz" pos="2160">
-          <p15:clr>
-            <a:srgbClr val="A4A3A4"/>
-          </p15:clr>
-        </p15:guide>
-        <p15:guide id="2" pos="2880">
-          <p15:clr>
-            <a:srgbClr val="A4A3A4"/>
-          </p15:clr>
-        </p15:guide>
-      </p15:sldGuideLst>
-    </p:ext>
-  </p:extLst>
 </p:presentation>
-</file>
-
-<file path=ppt/revisionInfo.xml><?xml version="1.0" encoding="utf-8"?>
-<p1510:revInfo xmlns:a="http://schemas.openxmlformats.org/drawingml/2006/main" xmlns:r="http://schemas.openxmlformats.org/officeDocument/2006/relationships" xmlns:p1510="http://schemas.microsoft.com/office/powerpoint/2015/10/main">
-  <p1510:revLst>
-    <p1510:client id="{C2A7427E-01AF-46AD-A860-BFED27B510EF}" v="2" dt="2023-02-04T04:08:45.817"/>
-  </p1510:revLst>
-</p1510:revInfo>
 </file>
 
 <file path=ppt/slideLayouts/slideLayout1.xml><?xml version="1.0" encoding="utf-8"?>
@@ -189,9 +165,10 @@
           </a:lstStyle>
           <a:p>
             <a:r>
-              <a:rPr lang="en-US"/>
+              <a:rPr lang="en-US" smtClean="0"/>
               <a:t>Click to edit Master title style</a:t>
             </a:r>
+            <a:endParaRPr lang="en-US"/>
           </a:p>
         </p:txBody>
       </p:sp>
@@ -222,9 +199,10 @@
           </a:lstStyle>
           <a:p>
             <a:r>
-              <a:rPr lang="en-US"/>
+              <a:rPr lang="en-US" smtClean="0"/>
               <a:t>Click to edit Master subtitle style</a:t>
             </a:r>
+            <a:endParaRPr lang="en-US"/>
           </a:p>
         </p:txBody>
       </p:sp>
@@ -259,7 +237,7 @@
           <a:p>
             <a:fld id="{F73F0BFC-2C88-4AAF-B42F-33B416312C7A}" type="datetimeFigureOut">
               <a:rPr lang="en-US" smtClean="0"/>
-              <a:t>2/3/2023</a:t>
+              <a:t>5/6/2009</a:t>
             </a:fld>
             <a:endParaRPr lang="en-US"/>
           </a:p>
@@ -376,9 +354,10 @@
           <a:lstStyle/>
           <a:p>
             <a:r>
-              <a:rPr lang="en-US"/>
+              <a:rPr lang="en-US" smtClean="0"/>
               <a:t>Click to edit Master title style</a:t>
             </a:r>
+            <a:endParaRPr lang="en-US"/>
           </a:p>
         </p:txBody>
       </p:sp>
@@ -399,37 +378,38 @@
           <a:p>
             <a:pPr lvl="0"/>
             <a:r>
-              <a:rPr lang="en-US"/>
+              <a:rPr lang="en-US" smtClean="0"/>
               <a:t>Click to edit Master text styles</a:t>
             </a:r>
           </a:p>
           <a:p>
             <a:pPr lvl="1"/>
             <a:r>
-              <a:rPr lang="en-US"/>
+              <a:rPr lang="en-US" smtClean="0"/>
               <a:t>Second level</a:t>
             </a:r>
           </a:p>
           <a:p>
             <a:pPr lvl="2"/>
             <a:r>
-              <a:rPr lang="en-US"/>
+              <a:rPr lang="en-US" smtClean="0"/>
               <a:t>Third level</a:t>
             </a:r>
           </a:p>
           <a:p>
             <a:pPr lvl="3"/>
             <a:r>
-              <a:rPr lang="en-US"/>
+              <a:rPr lang="en-US" smtClean="0"/>
               <a:t>Fourth level</a:t>
             </a:r>
           </a:p>
           <a:p>
             <a:pPr lvl="4"/>
             <a:r>
-              <a:rPr lang="en-US"/>
+              <a:rPr lang="en-US" smtClean="0"/>
               <a:t>Fifth level</a:t>
             </a:r>
+            <a:endParaRPr lang="en-US"/>
           </a:p>
         </p:txBody>
       </p:sp>
@@ -456,7 +436,7 @@
           <a:p>
             <a:fld id="{F73F0BFC-2C88-4AAF-B42F-33B416312C7A}" type="datetimeFigureOut">
               <a:rPr lang="en-US" smtClean="0"/>
-              <a:t>2/3/2023</a:t>
+              <a:t>5/6/2009</a:t>
             </a:fld>
             <a:endParaRPr lang="en-US"/>
           </a:p>
@@ -562,9 +542,10 @@
           <a:lstStyle/>
           <a:p>
             <a:r>
-              <a:rPr lang="en-US"/>
+              <a:rPr lang="en-US" smtClean="0"/>
               <a:t>Click to edit Master title style</a:t>
             </a:r>
+            <a:endParaRPr lang="en-US"/>
           </a:p>
         </p:txBody>
       </p:sp>
@@ -590,37 +571,38 @@
           <a:p>
             <a:pPr lvl="0"/>
             <a:r>
-              <a:rPr lang="en-US"/>
+              <a:rPr lang="en-US" smtClean="0"/>
               <a:t>Click to edit Master text styles</a:t>
             </a:r>
           </a:p>
           <a:p>
             <a:pPr lvl="1"/>
             <a:r>
-              <a:rPr lang="en-US"/>
+              <a:rPr lang="en-US" smtClean="0"/>
               <a:t>Second level</a:t>
             </a:r>
           </a:p>
           <a:p>
             <a:pPr lvl="2"/>
             <a:r>
-              <a:rPr lang="en-US"/>
+              <a:rPr lang="en-US" smtClean="0"/>
               <a:t>Third level</a:t>
             </a:r>
           </a:p>
           <a:p>
             <a:pPr lvl="3"/>
             <a:r>
-              <a:rPr lang="en-US"/>
+              <a:rPr lang="en-US" smtClean="0"/>
               <a:t>Fourth level</a:t>
             </a:r>
           </a:p>
           <a:p>
             <a:pPr lvl="4"/>
             <a:r>
-              <a:rPr lang="en-US"/>
+              <a:rPr lang="en-US" smtClean="0"/>
               <a:t>Fifth level</a:t>
             </a:r>
+            <a:endParaRPr lang="en-US"/>
           </a:p>
         </p:txBody>
       </p:sp>
@@ -647,7 +629,7 @@
           <a:p>
             <a:fld id="{F73F0BFC-2C88-4AAF-B42F-33B416312C7A}" type="datetimeFigureOut">
               <a:rPr lang="en-US" smtClean="0"/>
-              <a:t>2/3/2023</a:t>
+              <a:t>5/6/2009</a:t>
             </a:fld>
             <a:endParaRPr lang="en-US"/>
           </a:p>
@@ -748,9 +730,10 @@
           <a:lstStyle/>
           <a:p>
             <a:r>
-              <a:rPr lang="en-US"/>
+              <a:rPr lang="en-US" smtClean="0"/>
               <a:t>Click to edit Master title style</a:t>
             </a:r>
+            <a:endParaRPr lang="en-US"/>
           </a:p>
         </p:txBody>
       </p:sp>
@@ -771,37 +754,38 @@
           <a:p>
             <a:pPr lvl="0"/>
             <a:r>
-              <a:rPr lang="en-US"/>
+              <a:rPr lang="en-US" smtClean="0"/>
               <a:t>Click to edit Master text styles</a:t>
             </a:r>
           </a:p>
           <a:p>
             <a:pPr lvl="1"/>
             <a:r>
-              <a:rPr lang="en-US"/>
+              <a:rPr lang="en-US" smtClean="0"/>
               <a:t>Second level</a:t>
             </a:r>
           </a:p>
           <a:p>
             <a:pPr lvl="2"/>
             <a:r>
-              <a:rPr lang="en-US"/>
+              <a:rPr lang="en-US" smtClean="0"/>
               <a:t>Third level</a:t>
             </a:r>
           </a:p>
           <a:p>
             <a:pPr lvl="3"/>
             <a:r>
-              <a:rPr lang="en-US"/>
+              <a:rPr lang="en-US" smtClean="0"/>
               <a:t>Fourth level</a:t>
             </a:r>
           </a:p>
           <a:p>
             <a:pPr lvl="4"/>
             <a:r>
-              <a:rPr lang="en-US"/>
+              <a:rPr lang="en-US" smtClean="0"/>
               <a:t>Fifth level</a:t>
             </a:r>
+            <a:endParaRPr lang="en-US"/>
           </a:p>
         </p:txBody>
       </p:sp>
@@ -828,7 +812,7 @@
           <a:p>
             <a:fld id="{F73F0BFC-2C88-4AAF-B42F-33B416312C7A}" type="datetimeFigureOut">
               <a:rPr lang="en-US" smtClean="0"/>
-              <a:t>2/3/2023</a:t>
+              <a:t>5/6/2009</a:t>
             </a:fld>
             <a:endParaRPr lang="en-US"/>
           </a:p>
@@ -938,9 +922,10 @@
           </a:lstStyle>
           <a:p>
             <a:r>
-              <a:rPr lang="en-US"/>
+              <a:rPr lang="en-US" smtClean="0"/>
               <a:t>Click to edit Master title style</a:t>
             </a:r>
+            <a:endParaRPr lang="en-US"/>
           </a:p>
         </p:txBody>
       </p:sp>
@@ -1003,7 +988,7 @@
           <a:p>
             <a:pPr lvl="0"/>
             <a:r>
-              <a:rPr lang="en-US"/>
+              <a:rPr lang="en-US" smtClean="0"/>
               <a:t>Click to edit Master text styles</a:t>
             </a:r>
           </a:p>
@@ -1032,7 +1017,7 @@
           <a:p>
             <a:fld id="{F73F0BFC-2C88-4AAF-B42F-33B416312C7A}" type="datetimeFigureOut">
               <a:rPr lang="en-US" smtClean="0"/>
-              <a:t>2/3/2023</a:t>
+              <a:t>5/6/2009</a:t>
             </a:fld>
             <a:endParaRPr lang="en-US"/>
           </a:p>
@@ -1133,9 +1118,10 @@
           <a:lstStyle/>
           <a:p>
             <a:r>
-              <a:rPr lang="en-US"/>
+              <a:rPr lang="en-US" smtClean="0"/>
               <a:t>Click to edit Master title style</a:t>
             </a:r>
+            <a:endParaRPr lang="en-US"/>
           </a:p>
         </p:txBody>
       </p:sp>
@@ -1189,37 +1175,38 @@
           <a:p>
             <a:pPr lvl="0"/>
             <a:r>
-              <a:rPr lang="en-US"/>
+              <a:rPr lang="en-US" smtClean="0"/>
               <a:t>Click to edit Master text styles</a:t>
             </a:r>
           </a:p>
           <a:p>
             <a:pPr lvl="1"/>
             <a:r>
-              <a:rPr lang="en-US"/>
+              <a:rPr lang="en-US" smtClean="0"/>
               <a:t>Second level</a:t>
             </a:r>
           </a:p>
           <a:p>
             <a:pPr lvl="2"/>
             <a:r>
-              <a:rPr lang="en-US"/>
+              <a:rPr lang="en-US" smtClean="0"/>
               <a:t>Third level</a:t>
             </a:r>
           </a:p>
           <a:p>
             <a:pPr lvl="3"/>
             <a:r>
-              <a:rPr lang="en-US"/>
+              <a:rPr lang="en-US" smtClean="0"/>
               <a:t>Fourth level</a:t>
             </a:r>
           </a:p>
           <a:p>
             <a:pPr lvl="4"/>
             <a:r>
-              <a:rPr lang="en-US"/>
+              <a:rPr lang="en-US" smtClean="0"/>
               <a:t>Fifth level</a:t>
             </a:r>
+            <a:endParaRPr lang="en-US"/>
           </a:p>
         </p:txBody>
       </p:sp>
@@ -1273,37 +1260,38 @@
           <a:p>
             <a:pPr lvl="0"/>
             <a:r>
-              <a:rPr lang="en-US"/>
+              <a:rPr lang="en-US" smtClean="0"/>
               <a:t>Click to edit Master text styles</a:t>
             </a:r>
           </a:p>
           <a:p>
             <a:pPr lvl="1"/>
             <a:r>
-              <a:rPr lang="en-US"/>
+              <a:rPr lang="en-US" smtClean="0"/>
               <a:t>Second level</a:t>
             </a:r>
           </a:p>
           <a:p>
             <a:pPr lvl="2"/>
             <a:r>
-              <a:rPr lang="en-US"/>
+              <a:rPr lang="en-US" smtClean="0"/>
               <a:t>Third level</a:t>
             </a:r>
           </a:p>
           <a:p>
             <a:pPr lvl="3"/>
             <a:r>
-              <a:rPr lang="en-US"/>
+              <a:rPr lang="en-US" smtClean="0"/>
               <a:t>Fourth level</a:t>
             </a:r>
           </a:p>
           <a:p>
             <a:pPr lvl="4"/>
             <a:r>
-              <a:rPr lang="en-US"/>
+              <a:rPr lang="en-US" smtClean="0"/>
               <a:t>Fifth level</a:t>
             </a:r>
+            <a:endParaRPr lang="en-US"/>
           </a:p>
         </p:txBody>
       </p:sp>
@@ -1330,7 +1318,7 @@
           <a:p>
             <a:fld id="{F73F0BFC-2C88-4AAF-B42F-33B416312C7A}" type="datetimeFigureOut">
               <a:rPr lang="en-US" smtClean="0"/>
-              <a:t>2/3/2023</a:t>
+              <a:t>5/6/2009</a:t>
             </a:fld>
             <a:endParaRPr lang="en-US"/>
           </a:p>
@@ -1440,9 +1428,10 @@
           </a:lstStyle>
           <a:p>
             <a:r>
-              <a:rPr lang="en-US"/>
+              <a:rPr lang="en-US" smtClean="0"/>
               <a:t>Click to edit Master title style</a:t>
             </a:r>
+            <a:endParaRPr lang="en-US"/>
           </a:p>
         </p:txBody>
       </p:sp>
@@ -1505,7 +1494,7 @@
           <a:p>
             <a:pPr lvl="0"/>
             <a:r>
-              <a:rPr lang="en-US"/>
+              <a:rPr lang="en-US" smtClean="0"/>
               <a:t>Click to edit Master text styles</a:t>
             </a:r>
           </a:p>
@@ -1561,37 +1550,38 @@
           <a:p>
             <a:pPr lvl="0"/>
             <a:r>
-              <a:rPr lang="en-US"/>
+              <a:rPr lang="en-US" smtClean="0"/>
               <a:t>Click to edit Master text styles</a:t>
             </a:r>
           </a:p>
           <a:p>
             <a:pPr lvl="1"/>
             <a:r>
-              <a:rPr lang="en-US"/>
+              <a:rPr lang="en-US" smtClean="0"/>
               <a:t>Second level</a:t>
             </a:r>
           </a:p>
           <a:p>
             <a:pPr lvl="2"/>
             <a:r>
-              <a:rPr lang="en-US"/>
+              <a:rPr lang="en-US" smtClean="0"/>
               <a:t>Third level</a:t>
             </a:r>
           </a:p>
           <a:p>
             <a:pPr lvl="3"/>
             <a:r>
-              <a:rPr lang="en-US"/>
+              <a:rPr lang="en-US" smtClean="0"/>
               <a:t>Fourth level</a:t>
             </a:r>
           </a:p>
           <a:p>
             <a:pPr lvl="4"/>
             <a:r>
-              <a:rPr lang="en-US"/>
+              <a:rPr lang="en-US" smtClean="0"/>
               <a:t>Fifth level</a:t>
             </a:r>
+            <a:endParaRPr lang="en-US"/>
           </a:p>
         </p:txBody>
       </p:sp>
@@ -1654,7 +1644,7 @@
           <a:p>
             <a:pPr lvl="0"/>
             <a:r>
-              <a:rPr lang="en-US"/>
+              <a:rPr lang="en-US" smtClean="0"/>
               <a:t>Click to edit Master text styles</a:t>
             </a:r>
           </a:p>
@@ -1710,37 +1700,38 @@
           <a:p>
             <a:pPr lvl="0"/>
             <a:r>
-              <a:rPr lang="en-US"/>
+              <a:rPr lang="en-US" smtClean="0"/>
               <a:t>Click to edit Master text styles</a:t>
             </a:r>
           </a:p>
           <a:p>
             <a:pPr lvl="1"/>
             <a:r>
-              <a:rPr lang="en-US"/>
+              <a:rPr lang="en-US" smtClean="0"/>
               <a:t>Second level</a:t>
             </a:r>
           </a:p>
           <a:p>
             <a:pPr lvl="2"/>
             <a:r>
-              <a:rPr lang="en-US"/>
+              <a:rPr lang="en-US" smtClean="0"/>
               <a:t>Third level</a:t>
             </a:r>
           </a:p>
           <a:p>
             <a:pPr lvl="3"/>
             <a:r>
-              <a:rPr lang="en-US"/>
+              <a:rPr lang="en-US" smtClean="0"/>
               <a:t>Fourth level</a:t>
             </a:r>
           </a:p>
           <a:p>
             <a:pPr lvl="4"/>
             <a:r>
-              <a:rPr lang="en-US"/>
+              <a:rPr lang="en-US" smtClean="0"/>
               <a:t>Fifth level</a:t>
             </a:r>
+            <a:endParaRPr lang="en-US"/>
           </a:p>
         </p:txBody>
       </p:sp>
@@ -1767,7 +1758,7 @@
           <a:p>
             <a:fld id="{F73F0BFC-2C88-4AAF-B42F-33B416312C7A}" type="datetimeFigureOut">
               <a:rPr lang="en-US" smtClean="0"/>
-              <a:t>2/3/2023</a:t>
+              <a:t>5/6/2009</a:t>
             </a:fld>
             <a:endParaRPr lang="en-US"/>
           </a:p>
@@ -1868,9 +1859,10 @@
           <a:lstStyle/>
           <a:p>
             <a:r>
-              <a:rPr lang="en-US"/>
+              <a:rPr lang="en-US" smtClean="0"/>
               <a:t>Click to edit Master title style</a:t>
             </a:r>
+            <a:endParaRPr lang="en-US"/>
           </a:p>
         </p:txBody>
       </p:sp>
@@ -1897,7 +1889,7 @@
           <a:p>
             <a:fld id="{F73F0BFC-2C88-4AAF-B42F-33B416312C7A}" type="datetimeFigureOut">
               <a:rPr lang="en-US" smtClean="0"/>
-              <a:t>2/3/2023</a:t>
+              <a:t>5/6/2009</a:t>
             </a:fld>
             <a:endParaRPr lang="en-US"/>
           </a:p>
@@ -2005,7 +1997,7 @@
           <a:p>
             <a:fld id="{F73F0BFC-2C88-4AAF-B42F-33B416312C7A}" type="datetimeFigureOut">
               <a:rPr lang="en-US" smtClean="0"/>
-              <a:t>2/3/2023</a:t>
+              <a:t>5/6/2009</a:t>
             </a:fld>
             <a:endParaRPr lang="en-US"/>
           </a:p>
@@ -2115,9 +2107,10 @@
           </a:lstStyle>
           <a:p>
             <a:r>
-              <a:rPr lang="en-US"/>
+              <a:rPr lang="en-US" smtClean="0"/>
               <a:t>Click to edit Master title style</a:t>
             </a:r>
+            <a:endParaRPr lang="en-US"/>
           </a:p>
         </p:txBody>
       </p:sp>
@@ -2171,37 +2164,38 @@
           <a:p>
             <a:pPr lvl="0"/>
             <a:r>
-              <a:rPr lang="en-US"/>
+              <a:rPr lang="en-US" smtClean="0"/>
               <a:t>Click to edit Master text styles</a:t>
             </a:r>
           </a:p>
           <a:p>
             <a:pPr lvl="1"/>
             <a:r>
-              <a:rPr lang="en-US"/>
+              <a:rPr lang="en-US" smtClean="0"/>
               <a:t>Second level</a:t>
             </a:r>
           </a:p>
           <a:p>
             <a:pPr lvl="2"/>
             <a:r>
-              <a:rPr lang="en-US"/>
+              <a:rPr lang="en-US" smtClean="0"/>
               <a:t>Third level</a:t>
             </a:r>
           </a:p>
           <a:p>
             <a:pPr lvl="3"/>
             <a:r>
-              <a:rPr lang="en-US"/>
+              <a:rPr lang="en-US" smtClean="0"/>
               <a:t>Fourth level</a:t>
             </a:r>
           </a:p>
           <a:p>
             <a:pPr lvl="4"/>
             <a:r>
-              <a:rPr lang="en-US"/>
+              <a:rPr lang="en-US" smtClean="0"/>
               <a:t>Fifth level</a:t>
             </a:r>
+            <a:endParaRPr lang="en-US"/>
           </a:p>
         </p:txBody>
       </p:sp>
@@ -2264,7 +2258,7 @@
           <a:p>
             <a:pPr lvl="0"/>
             <a:r>
-              <a:rPr lang="en-US"/>
+              <a:rPr lang="en-US" smtClean="0"/>
               <a:t>Click to edit Master text styles</a:t>
             </a:r>
           </a:p>
@@ -2293,7 +2287,7 @@
           <a:p>
             <a:fld id="{F73F0BFC-2C88-4AAF-B42F-33B416312C7A}" type="datetimeFigureOut">
               <a:rPr lang="en-US" smtClean="0"/>
-              <a:t>2/3/2023</a:t>
+              <a:t>5/6/2009</a:t>
             </a:fld>
             <a:endParaRPr lang="en-US"/>
           </a:p>
@@ -2403,9 +2397,10 @@
           </a:lstStyle>
           <a:p>
             <a:r>
-              <a:rPr lang="en-US"/>
+              <a:rPr lang="en-US" smtClean="0"/>
               <a:t>Click to edit Master title style</a:t>
             </a:r>
+            <a:endParaRPr lang="en-US"/>
           </a:p>
         </p:txBody>
       </p:sp>
@@ -2468,9 +2463,10 @@
           <a:p>
             <a:pPr lvl="0"/>
             <a:r>
-              <a:rPr lang="en-US" noProof="0"/>
+              <a:rPr lang="en-US" noProof="0" smtClean="0"/>
               <a:t>Click icon to add picture</a:t>
             </a:r>
+            <a:endParaRPr lang="en-US" noProof="0" smtClean="0"/>
           </a:p>
         </p:txBody>
       </p:sp>
@@ -2533,7 +2529,7 @@
           <a:p>
             <a:pPr lvl="0"/>
             <a:r>
-              <a:rPr lang="en-US"/>
+              <a:rPr lang="en-US" smtClean="0"/>
               <a:t>Click to edit Master text styles</a:t>
             </a:r>
           </a:p>
@@ -2562,7 +2558,7 @@
           <a:p>
             <a:fld id="{F73F0BFC-2C88-4AAF-B42F-33B416312C7A}" type="datetimeFigureOut">
               <a:rPr lang="en-US" smtClean="0"/>
-              <a:t>2/3/2023</a:t>
+              <a:t>5/6/2009</a:t>
             </a:fld>
             <a:endParaRPr lang="en-US"/>
           </a:p>
@@ -2695,7 +2691,7 @@
           <a:p>
             <a:pPr lvl="0"/>
             <a:r>
-              <a:rPr lang="en-US"/>
+              <a:rPr lang="en-US" smtClean="0"/>
               <a:t>Click to edit title style</a:t>
             </a:r>
           </a:p>
@@ -2737,37 +2733,38 @@
           <a:p>
             <a:pPr lvl="0"/>
             <a:r>
-              <a:rPr lang="en-US"/>
+              <a:rPr lang="en-US" smtClean="0"/>
               <a:t>Click to edit Master text styles</a:t>
             </a:r>
           </a:p>
           <a:p>
             <a:pPr lvl="1"/>
             <a:r>
-              <a:rPr lang="en-US"/>
+              <a:rPr lang="en-US" smtClean="0"/>
               <a:t>Second level</a:t>
             </a:r>
           </a:p>
           <a:p>
             <a:pPr lvl="2"/>
             <a:r>
-              <a:rPr lang="en-US"/>
+              <a:rPr lang="en-US" smtClean="0"/>
               <a:t>Third level</a:t>
             </a:r>
           </a:p>
           <a:p>
             <a:pPr lvl="3"/>
             <a:r>
-              <a:rPr lang="en-US"/>
+              <a:rPr lang="en-US" smtClean="0"/>
               <a:t>Fourth level</a:t>
             </a:r>
           </a:p>
           <a:p>
             <a:pPr lvl="4"/>
             <a:r>
-              <a:rPr lang="en-US"/>
+              <a:rPr lang="en-US" smtClean="0"/>
               <a:t>Fifth level</a:t>
             </a:r>
+            <a:endParaRPr lang="en-US" smtClean="0"/>
           </a:p>
         </p:txBody>
       </p:sp>
@@ -2816,7 +2813,7 @@
           <a:p>
             <a:fld id="{F73F0BFC-2C88-4AAF-B42F-33B416312C7A}" type="datetimeFigureOut">
               <a:rPr lang="en-US" smtClean="0"/>
-              <a:t>2/3/2023</a:t>
+              <a:t>5/6/2009</a:t>
             </a:fld>
             <a:endParaRPr lang="en-US"/>
           </a:p>
@@ -3473,9 +3470,10 @@
           <a:lstStyle/>
           <a:p>
             <a:r>
-              <a:rPr lang="en-US" dirty="0"/>
-              <a:t>mierda</a:t>
-            </a:r>
+              <a:rPr lang="en-US" dirty="0" smtClean="0"/>
+              <a:t>Muestra de archivo de PowerPoint</a:t>
+            </a:r>
+            <a:endParaRPr lang="en-US" dirty="0"/>
           </a:p>
         </p:txBody>
       </p:sp>
@@ -3495,12 +3493,12 @@
           <a:lstStyle/>
           <a:p>
             <a:r>
-              <a:rPr lang="en-US" dirty="0"/>
-              <a:t>mierda</a:t>
-            </a:r>
-            <a:r>
-              <a:rPr lang="en-US" baseline="0" dirty="0"/>
-              <a:t>mierda</a:t>
+              <a:rPr lang="en-US" dirty="0" smtClean="0"/>
+              <a:t>Calle.</a:t>
+            </a:r>
+            <a:r>
+              <a:rPr lang="en-US" baseline="0" dirty="0" smtClean="0"/>
+              <a:t> Colegio técnico en la nube</a:t>
             </a:r>
           </a:p>
         </p:txBody>
@@ -3546,12 +3544,12 @@
           <a:lstStyle/>
           <a:p>
             <a:r>
-              <a:rPr lang="en-US" dirty="0"/>
-              <a:t>mierda</a:t>
-            </a:r>
-            <a:r>
-              <a:rPr lang="en-US" baseline="0" dirty="0"/>
-              <a:t>mierda</a:t>
+              <a:rPr lang="en-US" dirty="0" smtClean="0"/>
+              <a:t>Esto es un</a:t>
+            </a:r>
+            <a:r>
+              <a:rPr lang="en-US" baseline="0" dirty="0" smtClean="0"/>
+              <a:t> Diapositiva de muestra</a:t>
             </a:r>
             <a:endParaRPr lang="en-US" dirty="0"/>
           </a:p>
@@ -3573,24 +3571,44 @@
           <a:lstStyle/>
           <a:p>
             <a:r>
-              <a:rPr lang="zh-CN" altLang="en-US"/>
-              <a:t>mierda
-mierda</a:t>
+              <a:rPr lang="en-US" dirty="0" smtClean="0"/>
+              <a:t>Aquí está</a:t>
+            </a:r>
+            <a:r>
+              <a:rPr lang="en-US" baseline="0" dirty="0" smtClean="0"/>
+              <a:t> un esquema de puntos con viñetas</a:t>
+            </a:r>
+          </a:p>
+          <a:p>
+            <a:r>
+              <a:rPr lang="en-US" baseline="0" dirty="0" smtClean="0"/>
+              <a:t>Puede imprimir archivos PPT como folletos usando</a:t>
+            </a:r>
+            <a:r>
+              <a:rPr lang="en-US" baseline="0" smtClean="0"/>
+              <a:t>el</a:t>
             </a:r>
             <a:br>
-              <a:rPr lang="zh-CN" altLang="en-US"/>
+              <a:rPr lang="en-US" baseline="0" smtClean="0"/>
             </a:br>
             <a:r>
-              <a:rPr lang="zh-CN" altLang="en-US"/>
-              <a:t>mierda</a:t>
+              <a:rPr lang="en-US" baseline="0" smtClean="0"/>
+              <a:t>IMPRIMIR &gt;</a:t>
             </a:r>
             <a:br>
-              <a:rPr lang="zh-CN" altLang="en-US"/>
+              <a:rPr lang="en-US" baseline="0" smtClean="0"/>
             </a:br>
             <a:r>
-              <a:rPr lang="zh-CN" altLang="en-US"/>
-              <a:t>mierda mierda
-</a:t>
+              <a:rPr lang="en-US" baseline="0" smtClean="0"/>
+              <a:t>  IMPRIMIR</a:t>
+            </a:r>
+            <a:r>
+              <a:rPr lang="en-US" baseline="0" dirty="0" smtClean="0"/>
+              <a:t>QUÉ &gt; FOLLETOS</a:t>
+            </a:r>
+            <a:r>
+              <a:rPr lang="en-US" dirty="0" smtClean="0"/>
+              <a:t> opción</a:t>
             </a:r>
             <a:endParaRPr lang="en-US" dirty="0"/>
           </a:p>

--- a/back-end/po.pptx
+++ b/back-end/po.pptx
@@ -108,6 +108,22 @@
       </a:defRPr>
     </a:lvl9pPr>
   </p:defaultTextStyle>
+  <p:extLst>
+    <p:ext uri="{EFAFB233-063F-42B5-8137-9DF3F51BA10A}">
+      <p15:sldGuideLst xmlns:p15="http://schemas.microsoft.com/office/powerpoint/2012/main">
+        <p15:guide id="1" orient="horz" pos="2160">
+          <p15:clr>
+            <a:srgbClr val="A4A3A4"/>
+          </p15:clr>
+        </p15:guide>
+        <p15:guide id="2" pos="2880">
+          <p15:clr>
+            <a:srgbClr val="A4A3A4"/>
+          </p15:clr>
+        </p15:guide>
+      </p15:sldGuideLst>
+    </p:ext>
+  </p:extLst>
 </p:presentation>
 </file>
 
@@ -165,10 +181,9 @@
           </a:lstStyle>
           <a:p>
             <a:r>
-              <a:rPr lang="en-US" smtClean="0"/>
+              <a:rPr lang="en-US"/>
               <a:t>Click to edit Master title style</a:t>
             </a:r>
-            <a:endParaRPr lang="en-US"/>
           </a:p>
         </p:txBody>
       </p:sp>
@@ -199,10 +214,9 @@
           </a:lstStyle>
           <a:p>
             <a:r>
-              <a:rPr lang="en-US" smtClean="0"/>
+              <a:rPr lang="en-US"/>
               <a:t>Click to edit Master subtitle style</a:t>
             </a:r>
-            <a:endParaRPr lang="en-US"/>
           </a:p>
         </p:txBody>
       </p:sp>
@@ -237,7 +251,7 @@
           <a:p>
             <a:fld id="{F73F0BFC-2C88-4AAF-B42F-33B416312C7A}" type="datetimeFigureOut">
               <a:rPr lang="en-US" smtClean="0"/>
-              <a:t>5/6/2009</a:t>
+              <a:t>2/5/2023</a:t>
             </a:fld>
             <a:endParaRPr lang="en-US"/>
           </a:p>
@@ -354,10 +368,9 @@
           <a:lstStyle/>
           <a:p>
             <a:r>
-              <a:rPr lang="en-US" smtClean="0"/>
+              <a:rPr lang="en-US"/>
               <a:t>Click to edit Master title style</a:t>
             </a:r>
-            <a:endParaRPr lang="en-US"/>
           </a:p>
         </p:txBody>
       </p:sp>
@@ -378,38 +391,37 @@
           <a:p>
             <a:pPr lvl="0"/>
             <a:r>
-              <a:rPr lang="en-US" smtClean="0"/>
+              <a:rPr lang="en-US"/>
               <a:t>Click to edit Master text styles</a:t>
             </a:r>
           </a:p>
           <a:p>
             <a:pPr lvl="1"/>
             <a:r>
-              <a:rPr lang="en-US" smtClean="0"/>
+              <a:rPr lang="en-US"/>
               <a:t>Second level</a:t>
             </a:r>
           </a:p>
           <a:p>
             <a:pPr lvl="2"/>
             <a:r>
-              <a:rPr lang="en-US" smtClean="0"/>
+              <a:rPr lang="en-US"/>
               <a:t>Third level</a:t>
             </a:r>
           </a:p>
           <a:p>
             <a:pPr lvl="3"/>
             <a:r>
-              <a:rPr lang="en-US" smtClean="0"/>
+              <a:rPr lang="en-US"/>
               <a:t>Fourth level</a:t>
             </a:r>
           </a:p>
           <a:p>
             <a:pPr lvl="4"/>
             <a:r>
-              <a:rPr lang="en-US" smtClean="0"/>
+              <a:rPr lang="en-US"/>
               <a:t>Fifth level</a:t>
             </a:r>
-            <a:endParaRPr lang="en-US"/>
           </a:p>
         </p:txBody>
       </p:sp>
@@ -436,7 +448,7 @@
           <a:p>
             <a:fld id="{F73F0BFC-2C88-4AAF-B42F-33B416312C7A}" type="datetimeFigureOut">
               <a:rPr lang="en-US" smtClean="0"/>
-              <a:t>5/6/2009</a:t>
+              <a:t>2/5/2023</a:t>
             </a:fld>
             <a:endParaRPr lang="en-US"/>
           </a:p>
@@ -542,10 +554,9 @@
           <a:lstStyle/>
           <a:p>
             <a:r>
-              <a:rPr lang="en-US" smtClean="0"/>
+              <a:rPr lang="en-US"/>
               <a:t>Click to edit Master title style</a:t>
             </a:r>
-            <a:endParaRPr lang="en-US"/>
           </a:p>
         </p:txBody>
       </p:sp>
@@ -571,38 +582,37 @@
           <a:p>
             <a:pPr lvl="0"/>
             <a:r>
-              <a:rPr lang="en-US" smtClean="0"/>
+              <a:rPr lang="en-US"/>
               <a:t>Click to edit Master text styles</a:t>
             </a:r>
           </a:p>
           <a:p>
             <a:pPr lvl="1"/>
             <a:r>
-              <a:rPr lang="en-US" smtClean="0"/>
+              <a:rPr lang="en-US"/>
               <a:t>Second level</a:t>
             </a:r>
           </a:p>
           <a:p>
             <a:pPr lvl="2"/>
             <a:r>
-              <a:rPr lang="en-US" smtClean="0"/>
+              <a:rPr lang="en-US"/>
               <a:t>Third level</a:t>
             </a:r>
           </a:p>
           <a:p>
             <a:pPr lvl="3"/>
             <a:r>
-              <a:rPr lang="en-US" smtClean="0"/>
+              <a:rPr lang="en-US"/>
               <a:t>Fourth level</a:t>
             </a:r>
           </a:p>
           <a:p>
             <a:pPr lvl="4"/>
             <a:r>
-              <a:rPr lang="en-US" smtClean="0"/>
+              <a:rPr lang="en-US"/>
               <a:t>Fifth level</a:t>
             </a:r>
-            <a:endParaRPr lang="en-US"/>
           </a:p>
         </p:txBody>
       </p:sp>
@@ -629,7 +639,7 @@
           <a:p>
             <a:fld id="{F73F0BFC-2C88-4AAF-B42F-33B416312C7A}" type="datetimeFigureOut">
               <a:rPr lang="en-US" smtClean="0"/>
-              <a:t>5/6/2009</a:t>
+              <a:t>2/5/2023</a:t>
             </a:fld>
             <a:endParaRPr lang="en-US"/>
           </a:p>
@@ -730,10 +740,9 @@
           <a:lstStyle/>
           <a:p>
             <a:r>
-              <a:rPr lang="en-US" smtClean="0"/>
+              <a:rPr lang="en-US"/>
               <a:t>Click to edit Master title style</a:t>
             </a:r>
-            <a:endParaRPr lang="en-US"/>
           </a:p>
         </p:txBody>
       </p:sp>
@@ -754,38 +763,37 @@
           <a:p>
             <a:pPr lvl="0"/>
             <a:r>
-              <a:rPr lang="en-US" smtClean="0"/>
+              <a:rPr lang="en-US"/>
               <a:t>Click to edit Master text styles</a:t>
             </a:r>
           </a:p>
           <a:p>
             <a:pPr lvl="1"/>
             <a:r>
-              <a:rPr lang="en-US" smtClean="0"/>
+              <a:rPr lang="en-US"/>
               <a:t>Second level</a:t>
             </a:r>
           </a:p>
           <a:p>
             <a:pPr lvl="2"/>
             <a:r>
-              <a:rPr lang="en-US" smtClean="0"/>
+              <a:rPr lang="en-US"/>
               <a:t>Third level</a:t>
             </a:r>
           </a:p>
           <a:p>
             <a:pPr lvl="3"/>
             <a:r>
-              <a:rPr lang="en-US" smtClean="0"/>
+              <a:rPr lang="en-US"/>
               <a:t>Fourth level</a:t>
             </a:r>
           </a:p>
           <a:p>
             <a:pPr lvl="4"/>
             <a:r>
-              <a:rPr lang="en-US" smtClean="0"/>
+              <a:rPr lang="en-US"/>
               <a:t>Fifth level</a:t>
             </a:r>
-            <a:endParaRPr lang="en-US"/>
           </a:p>
         </p:txBody>
       </p:sp>
@@ -812,7 +820,7 @@
           <a:p>
             <a:fld id="{F73F0BFC-2C88-4AAF-B42F-33B416312C7A}" type="datetimeFigureOut">
               <a:rPr lang="en-US" smtClean="0"/>
-              <a:t>5/6/2009</a:t>
+              <a:t>2/5/2023</a:t>
             </a:fld>
             <a:endParaRPr lang="en-US"/>
           </a:p>
@@ -922,10 +930,9 @@
           </a:lstStyle>
           <a:p>
             <a:r>
-              <a:rPr lang="en-US" smtClean="0"/>
+              <a:rPr lang="en-US"/>
               <a:t>Click to edit Master title style</a:t>
             </a:r>
-            <a:endParaRPr lang="en-US"/>
           </a:p>
         </p:txBody>
       </p:sp>
@@ -988,7 +995,7 @@
           <a:p>
             <a:pPr lvl="0"/>
             <a:r>
-              <a:rPr lang="en-US" smtClean="0"/>
+              <a:rPr lang="en-US"/>
               <a:t>Click to edit Master text styles</a:t>
             </a:r>
           </a:p>
@@ -1017,7 +1024,7 @@
           <a:p>
             <a:fld id="{F73F0BFC-2C88-4AAF-B42F-33B416312C7A}" type="datetimeFigureOut">
               <a:rPr lang="en-US" smtClean="0"/>
-              <a:t>5/6/2009</a:t>
+              <a:t>2/5/2023</a:t>
             </a:fld>
             <a:endParaRPr lang="en-US"/>
           </a:p>
@@ -1118,10 +1125,9 @@
           <a:lstStyle/>
           <a:p>
             <a:r>
-              <a:rPr lang="en-US" smtClean="0"/>
+              <a:rPr lang="en-US"/>
               <a:t>Click to edit Master title style</a:t>
             </a:r>
-            <a:endParaRPr lang="en-US"/>
           </a:p>
         </p:txBody>
       </p:sp>
@@ -1175,38 +1181,37 @@
           <a:p>
             <a:pPr lvl="0"/>
             <a:r>
-              <a:rPr lang="en-US" smtClean="0"/>
+              <a:rPr lang="en-US"/>
               <a:t>Click to edit Master text styles</a:t>
             </a:r>
           </a:p>
           <a:p>
             <a:pPr lvl="1"/>
             <a:r>
-              <a:rPr lang="en-US" smtClean="0"/>
+              <a:rPr lang="en-US"/>
               <a:t>Second level</a:t>
             </a:r>
           </a:p>
           <a:p>
             <a:pPr lvl="2"/>
             <a:r>
-              <a:rPr lang="en-US" smtClean="0"/>
+              <a:rPr lang="en-US"/>
               <a:t>Third level</a:t>
             </a:r>
           </a:p>
           <a:p>
             <a:pPr lvl="3"/>
             <a:r>
-              <a:rPr lang="en-US" smtClean="0"/>
+              <a:rPr lang="en-US"/>
               <a:t>Fourth level</a:t>
             </a:r>
           </a:p>
           <a:p>
             <a:pPr lvl="4"/>
             <a:r>
-              <a:rPr lang="en-US" smtClean="0"/>
+              <a:rPr lang="en-US"/>
               <a:t>Fifth level</a:t>
             </a:r>
-            <a:endParaRPr lang="en-US"/>
           </a:p>
         </p:txBody>
       </p:sp>
@@ -1260,38 +1265,37 @@
           <a:p>
             <a:pPr lvl="0"/>
             <a:r>
-              <a:rPr lang="en-US" smtClean="0"/>
+              <a:rPr lang="en-US"/>
               <a:t>Click to edit Master text styles</a:t>
             </a:r>
           </a:p>
           <a:p>
             <a:pPr lvl="1"/>
             <a:r>
-              <a:rPr lang="en-US" smtClean="0"/>
+              <a:rPr lang="en-US"/>
               <a:t>Second level</a:t>
             </a:r>
           </a:p>
           <a:p>
             <a:pPr lvl="2"/>
             <a:r>
-              <a:rPr lang="en-US" smtClean="0"/>
+              <a:rPr lang="en-US"/>
               <a:t>Third level</a:t>
             </a:r>
           </a:p>
           <a:p>
             <a:pPr lvl="3"/>
             <a:r>
-              <a:rPr lang="en-US" smtClean="0"/>
+              <a:rPr lang="en-US"/>
               <a:t>Fourth level</a:t>
             </a:r>
           </a:p>
           <a:p>
             <a:pPr lvl="4"/>
             <a:r>
-              <a:rPr lang="en-US" smtClean="0"/>
+              <a:rPr lang="en-US"/>
               <a:t>Fifth level</a:t>
             </a:r>
-            <a:endParaRPr lang="en-US"/>
           </a:p>
         </p:txBody>
       </p:sp>
@@ -1318,7 +1322,7 @@
           <a:p>
             <a:fld id="{F73F0BFC-2C88-4AAF-B42F-33B416312C7A}" type="datetimeFigureOut">
               <a:rPr lang="en-US" smtClean="0"/>
-              <a:t>5/6/2009</a:t>
+              <a:t>2/5/2023</a:t>
             </a:fld>
             <a:endParaRPr lang="en-US"/>
           </a:p>
@@ -1428,10 +1432,9 @@
           </a:lstStyle>
           <a:p>
             <a:r>
-              <a:rPr lang="en-US" smtClean="0"/>
+              <a:rPr lang="en-US"/>
               <a:t>Click to edit Master title style</a:t>
             </a:r>
-            <a:endParaRPr lang="en-US"/>
           </a:p>
         </p:txBody>
       </p:sp>
@@ -1494,7 +1497,7 @@
           <a:p>
             <a:pPr lvl="0"/>
             <a:r>
-              <a:rPr lang="en-US" smtClean="0"/>
+              <a:rPr lang="en-US"/>
               <a:t>Click to edit Master text styles</a:t>
             </a:r>
           </a:p>
@@ -1550,38 +1553,37 @@
           <a:p>
             <a:pPr lvl="0"/>
             <a:r>
-              <a:rPr lang="en-US" smtClean="0"/>
+              <a:rPr lang="en-US"/>
               <a:t>Click to edit Master text styles</a:t>
             </a:r>
           </a:p>
           <a:p>
             <a:pPr lvl="1"/>
             <a:r>
-              <a:rPr lang="en-US" smtClean="0"/>
+              <a:rPr lang="en-US"/>
               <a:t>Second level</a:t>
             </a:r>
           </a:p>
           <a:p>
             <a:pPr lvl="2"/>
             <a:r>
-              <a:rPr lang="en-US" smtClean="0"/>
+              <a:rPr lang="en-US"/>
               <a:t>Third level</a:t>
             </a:r>
           </a:p>
           <a:p>
             <a:pPr lvl="3"/>
             <a:r>
-              <a:rPr lang="en-US" smtClean="0"/>
+              <a:rPr lang="en-US"/>
               <a:t>Fourth level</a:t>
             </a:r>
           </a:p>
           <a:p>
             <a:pPr lvl="4"/>
             <a:r>
-              <a:rPr lang="en-US" smtClean="0"/>
+              <a:rPr lang="en-US"/>
               <a:t>Fifth level</a:t>
             </a:r>
-            <a:endParaRPr lang="en-US"/>
           </a:p>
         </p:txBody>
       </p:sp>
@@ -1644,7 +1646,7 @@
           <a:p>
             <a:pPr lvl="0"/>
             <a:r>
-              <a:rPr lang="en-US" smtClean="0"/>
+              <a:rPr lang="en-US"/>
               <a:t>Click to edit Master text styles</a:t>
             </a:r>
           </a:p>
@@ -1700,38 +1702,37 @@
           <a:p>
             <a:pPr lvl="0"/>
             <a:r>
-              <a:rPr lang="en-US" smtClean="0"/>
+              <a:rPr lang="en-US"/>
               <a:t>Click to edit Master text styles</a:t>
             </a:r>
           </a:p>
           <a:p>
             <a:pPr lvl="1"/>
             <a:r>
-              <a:rPr lang="en-US" smtClean="0"/>
+              <a:rPr lang="en-US"/>
               <a:t>Second level</a:t>
             </a:r>
           </a:p>
           <a:p>
             <a:pPr lvl="2"/>
             <a:r>
-              <a:rPr lang="en-US" smtClean="0"/>
+              <a:rPr lang="en-US"/>
               <a:t>Third level</a:t>
             </a:r>
           </a:p>
           <a:p>
             <a:pPr lvl="3"/>
             <a:r>
-              <a:rPr lang="en-US" smtClean="0"/>
+              <a:rPr lang="en-US"/>
               <a:t>Fourth level</a:t>
             </a:r>
           </a:p>
           <a:p>
             <a:pPr lvl="4"/>
             <a:r>
-              <a:rPr lang="en-US" smtClean="0"/>
+              <a:rPr lang="en-US"/>
               <a:t>Fifth level</a:t>
             </a:r>
-            <a:endParaRPr lang="en-US"/>
           </a:p>
         </p:txBody>
       </p:sp>
@@ -1758,7 +1759,7 @@
           <a:p>
             <a:fld id="{F73F0BFC-2C88-4AAF-B42F-33B416312C7A}" type="datetimeFigureOut">
               <a:rPr lang="en-US" smtClean="0"/>
-              <a:t>5/6/2009</a:t>
+              <a:t>2/5/2023</a:t>
             </a:fld>
             <a:endParaRPr lang="en-US"/>
           </a:p>
@@ -1859,10 +1860,9 @@
           <a:lstStyle/>
           <a:p>
             <a:r>
-              <a:rPr lang="en-US" smtClean="0"/>
+              <a:rPr lang="en-US"/>
               <a:t>Click to edit Master title style</a:t>
             </a:r>
-            <a:endParaRPr lang="en-US"/>
           </a:p>
         </p:txBody>
       </p:sp>
@@ -1889,7 +1889,7 @@
           <a:p>
             <a:fld id="{F73F0BFC-2C88-4AAF-B42F-33B416312C7A}" type="datetimeFigureOut">
               <a:rPr lang="en-US" smtClean="0"/>
-              <a:t>5/6/2009</a:t>
+              <a:t>2/5/2023</a:t>
             </a:fld>
             <a:endParaRPr lang="en-US"/>
           </a:p>
@@ -1997,7 +1997,7 @@
           <a:p>
             <a:fld id="{F73F0BFC-2C88-4AAF-B42F-33B416312C7A}" type="datetimeFigureOut">
               <a:rPr lang="en-US" smtClean="0"/>
-              <a:t>5/6/2009</a:t>
+              <a:t>2/5/2023</a:t>
             </a:fld>
             <a:endParaRPr lang="en-US"/>
           </a:p>
@@ -2107,10 +2107,9 @@
           </a:lstStyle>
           <a:p>
             <a:r>
-              <a:rPr lang="en-US" smtClean="0"/>
+              <a:rPr lang="en-US"/>
               <a:t>Click to edit Master title style</a:t>
             </a:r>
-            <a:endParaRPr lang="en-US"/>
           </a:p>
         </p:txBody>
       </p:sp>
@@ -2164,38 +2163,37 @@
           <a:p>
             <a:pPr lvl="0"/>
             <a:r>
-              <a:rPr lang="en-US" smtClean="0"/>
+              <a:rPr lang="en-US"/>
               <a:t>Click to edit Master text styles</a:t>
             </a:r>
           </a:p>
           <a:p>
             <a:pPr lvl="1"/>
             <a:r>
-              <a:rPr lang="en-US" smtClean="0"/>
+              <a:rPr lang="en-US"/>
               <a:t>Second level</a:t>
             </a:r>
           </a:p>
           <a:p>
             <a:pPr lvl="2"/>
             <a:r>
-              <a:rPr lang="en-US" smtClean="0"/>
+              <a:rPr lang="en-US"/>
               <a:t>Third level</a:t>
             </a:r>
           </a:p>
           <a:p>
             <a:pPr lvl="3"/>
             <a:r>
-              <a:rPr lang="en-US" smtClean="0"/>
+              <a:rPr lang="en-US"/>
               <a:t>Fourth level</a:t>
             </a:r>
           </a:p>
           <a:p>
             <a:pPr lvl="4"/>
             <a:r>
-              <a:rPr lang="en-US" smtClean="0"/>
+              <a:rPr lang="en-US"/>
               <a:t>Fifth level</a:t>
             </a:r>
-            <a:endParaRPr lang="en-US"/>
           </a:p>
         </p:txBody>
       </p:sp>
@@ -2258,7 +2256,7 @@
           <a:p>
             <a:pPr lvl="0"/>
             <a:r>
-              <a:rPr lang="en-US" smtClean="0"/>
+              <a:rPr lang="en-US"/>
               <a:t>Click to edit Master text styles</a:t>
             </a:r>
           </a:p>
@@ -2287,7 +2285,7 @@
           <a:p>
             <a:fld id="{F73F0BFC-2C88-4AAF-B42F-33B416312C7A}" type="datetimeFigureOut">
               <a:rPr lang="en-US" smtClean="0"/>
-              <a:t>5/6/2009</a:t>
+              <a:t>2/5/2023</a:t>
             </a:fld>
             <a:endParaRPr lang="en-US"/>
           </a:p>
@@ -2397,10 +2395,9 @@
           </a:lstStyle>
           <a:p>
             <a:r>
-              <a:rPr lang="en-US" smtClean="0"/>
+              <a:rPr lang="en-US"/>
               <a:t>Click to edit Master title style</a:t>
             </a:r>
-            <a:endParaRPr lang="en-US"/>
           </a:p>
         </p:txBody>
       </p:sp>
@@ -2463,10 +2460,9 @@
           <a:p>
             <a:pPr lvl="0"/>
             <a:r>
-              <a:rPr lang="en-US" noProof="0" smtClean="0"/>
+              <a:rPr lang="en-US" noProof="0"/>
               <a:t>Click icon to add picture</a:t>
             </a:r>
-            <a:endParaRPr lang="en-US" noProof="0" smtClean="0"/>
           </a:p>
         </p:txBody>
       </p:sp>
@@ -2529,7 +2525,7 @@
           <a:p>
             <a:pPr lvl="0"/>
             <a:r>
-              <a:rPr lang="en-US" smtClean="0"/>
+              <a:rPr lang="en-US"/>
               <a:t>Click to edit Master text styles</a:t>
             </a:r>
           </a:p>
@@ -2558,7 +2554,7 @@
           <a:p>
             <a:fld id="{F73F0BFC-2C88-4AAF-B42F-33B416312C7A}" type="datetimeFigureOut">
               <a:rPr lang="en-US" smtClean="0"/>
-              <a:t>5/6/2009</a:t>
+              <a:t>2/5/2023</a:t>
             </a:fld>
             <a:endParaRPr lang="en-US"/>
           </a:p>
@@ -2691,7 +2687,7 @@
           <a:p>
             <a:pPr lvl="0"/>
             <a:r>
-              <a:rPr lang="en-US" smtClean="0"/>
+              <a:rPr lang="en-US"/>
               <a:t>Click to edit title style</a:t>
             </a:r>
           </a:p>
@@ -2733,38 +2729,37 @@
           <a:p>
             <a:pPr lvl="0"/>
             <a:r>
-              <a:rPr lang="en-US" smtClean="0"/>
+              <a:rPr lang="en-US"/>
               <a:t>Click to edit Master text styles</a:t>
             </a:r>
           </a:p>
           <a:p>
             <a:pPr lvl="1"/>
             <a:r>
-              <a:rPr lang="en-US" smtClean="0"/>
+              <a:rPr lang="en-US"/>
               <a:t>Second level</a:t>
             </a:r>
           </a:p>
           <a:p>
             <a:pPr lvl="2"/>
             <a:r>
-              <a:rPr lang="en-US" smtClean="0"/>
+              <a:rPr lang="en-US"/>
               <a:t>Third level</a:t>
             </a:r>
           </a:p>
           <a:p>
             <a:pPr lvl="3"/>
             <a:r>
-              <a:rPr lang="en-US" smtClean="0"/>
+              <a:rPr lang="en-US"/>
               <a:t>Fourth level</a:t>
             </a:r>
           </a:p>
           <a:p>
             <a:pPr lvl="4"/>
             <a:r>
-              <a:rPr lang="en-US" smtClean="0"/>
+              <a:rPr lang="en-US"/>
               <a:t>Fifth level</a:t>
             </a:r>
-            <a:endParaRPr lang="en-US" smtClean="0"/>
           </a:p>
         </p:txBody>
       </p:sp>
@@ -2813,7 +2808,7 @@
           <a:p>
             <a:fld id="{F73F0BFC-2C88-4AAF-B42F-33B416312C7A}" type="datetimeFigureOut">
               <a:rPr lang="en-US" smtClean="0"/>
-              <a:t>5/6/2009</a:t>
+              <a:t>2/5/2023</a:t>
             </a:fld>
             <a:endParaRPr lang="en-US"/>
           </a:p>
@@ -3470,10 +3465,9 @@
           <a:lstStyle/>
           <a:p>
             <a:r>
-              <a:rPr lang="en-US" dirty="0" smtClean="0"/>
+              <a:rPr lang="en-US" dirty="0"/>
               <a:t>Muestra de archivo de PowerPoint</a:t>
             </a:r>
-            <a:endParaRPr lang="en-US" dirty="0"/>
           </a:p>
         </p:txBody>
       </p:sp>
@@ -3493,11 +3487,11 @@
           <a:lstStyle/>
           <a:p>
             <a:r>
-              <a:rPr lang="en-US" dirty="0" smtClean="0"/>
+              <a:rPr lang="en-US" dirty="0"/>
               <a:t>Calle.</a:t>
             </a:r>
             <a:r>
-              <a:rPr lang="en-US" baseline="0" dirty="0" smtClean="0"/>
+              <a:rPr lang="en-US" baseline="0" dirty="0"/>
               <a:t> Colegio técnico en la nube</a:t>
             </a:r>
           </a:p>
@@ -3544,11 +3538,11 @@
           <a:lstStyle/>
           <a:p>
             <a:r>
-              <a:rPr lang="en-US" dirty="0" smtClean="0"/>
+              <a:rPr lang="en-US" dirty="0"/>
               <a:t>Esto es un</a:t>
             </a:r>
             <a:r>
-              <a:rPr lang="en-US" baseline="0" dirty="0" smtClean="0"/>
+              <a:rPr lang="en-US" baseline="0" dirty="0"/>
               <a:t> Diapositiva de muestra</a:t>
             </a:r>
             <a:endParaRPr lang="en-US" dirty="0"/>
@@ -3571,46 +3565,45 @@
           <a:lstStyle/>
           <a:p>
             <a:r>
-              <a:rPr lang="en-US" dirty="0" smtClean="0"/>
+              <a:rPr lang="en-US" dirty="0"/>
               <a:t>Aquí está</a:t>
             </a:r>
             <a:r>
-              <a:rPr lang="en-US" baseline="0" dirty="0" smtClean="0"/>
+              <a:rPr lang="en-US" baseline="0" dirty="0"/>
               <a:t> un esquema de puntos con viñetas</a:t>
             </a:r>
           </a:p>
           <a:p>
             <a:r>
-              <a:rPr lang="en-US" baseline="0" dirty="0" smtClean="0"/>
+              <a:rPr lang="en-US" baseline="0" dirty="0"/>
               <a:t>Puede imprimir archivos PPT como folletos usando</a:t>
             </a:r>
             <a:r>
-              <a:rPr lang="en-US" baseline="0" smtClean="0"/>
+              <a:rPr lang="en-US" baseline="0"/>
               <a:t>el</a:t>
             </a:r>
             <a:br>
-              <a:rPr lang="en-US" baseline="0" smtClean="0"/>
+              <a:rPr lang="en-US" baseline="0"/>
             </a:br>
             <a:r>
-              <a:rPr lang="en-US" baseline="0" smtClean="0"/>
+              <a:rPr lang="en-US" baseline="0"/>
               <a:t>IMPRIMIR &gt;</a:t>
             </a:r>
             <a:br>
-              <a:rPr lang="en-US" baseline="0" smtClean="0"/>
+              <a:rPr lang="en-US" baseline="0"/>
             </a:br>
             <a:r>
-              <a:rPr lang="en-US" baseline="0" smtClean="0"/>
+              <a:rPr lang="en-US" baseline="0"/>
               <a:t>  IMPRIMIR</a:t>
             </a:r>
             <a:r>
-              <a:rPr lang="en-US" baseline="0" dirty="0" smtClean="0"/>
+              <a:rPr lang="en-US" baseline="0" dirty="0"/>
               <a:t>QUÉ &gt; FOLLETOS</a:t>
             </a:r>
             <a:r>
-              <a:rPr lang="en-US" dirty="0" smtClean="0"/>
+              <a:rPr lang="en-US" dirty="0"/>
               <a:t> opción</a:t>
             </a:r>
-            <a:endParaRPr lang="en-US" dirty="0"/>
           </a:p>
         </p:txBody>
       </p:sp>
